--- a/Week4/Nodejs/18-11-2020/zwallet-backend/pptx/Zwallet-Back-End-presentation.pptx
+++ b/Week4/Nodejs/18-11-2020/zwallet-backend/pptx/Zwallet-Back-End-presentation.pptx
@@ -9652,7 +9652,7 @@
             </a:pPr>
             <a:r>
               <a:rPr lang="en" sz="3600" dirty="0"/>
-              <a:t>Let me expalin a little bit </a:t>
+              <a:t>Let me explain a little bit </a:t>
             </a:r>
             <a:r>
               <a:rPr lang="en" sz="3600" dirty="0">
